--- a/Slides/Razor_00.pptx
+++ b/Slides/Razor_00.pptx
@@ -304,7 +304,7 @@
           <a:p>
             <a:fld id="{948B15CE-72C7-4F52-B44D-DEB2CB65452D}" type="datetimeFigureOut">
               <a:rPr lang="en-US" smtClean="0"/>
-              <a:t>11/14/2021</a:t>
+              <a:t>1/18/2022</a:t>
             </a:fld>
             <a:endParaRPr lang="en-US" dirty="0"/>
           </a:p>
@@ -9180,7 +9180,7 @@
           <a:p>
             <a:fld id="{FC69B7DB-8367-4EA5-BD31-DC3A1C807884}" type="datetimeFigureOut">
               <a:rPr lang="en-US" smtClean="0"/>
-              <a:t>11/14/2021</a:t>
+              <a:t>1/18/2022</a:t>
             </a:fld>
             <a:endParaRPr lang="en-US" dirty="0"/>
           </a:p>
@@ -9557,7 +9557,7 @@
           <a:p>
             <a:fld id="{FC69B7DB-8367-4EA5-BD31-DC3A1C807884}" type="datetimeFigureOut">
               <a:rPr lang="en-US" smtClean="0"/>
-              <a:t>11/14/2021</a:t>
+              <a:t>1/18/2022</a:t>
             </a:fld>
             <a:endParaRPr lang="en-US" dirty="0"/>
           </a:p>
@@ -9993,7 +9993,7 @@
           <a:p>
             <a:fld id="{FC69B7DB-8367-4EA5-BD31-DC3A1C807884}" type="datetimeFigureOut">
               <a:rPr lang="en-US" smtClean="0"/>
-              <a:t>11/14/2021</a:t>
+              <a:t>1/18/2022</a:t>
             </a:fld>
             <a:endParaRPr lang="en-US" dirty="0"/>
           </a:p>
@@ -10563,7 +10563,7 @@
           <a:p>
             <a:fld id="{FC69B7DB-8367-4EA5-BD31-DC3A1C807884}" type="datetimeFigureOut">
               <a:rPr lang="en-US" smtClean="0"/>
-              <a:t>11/14/2021</a:t>
+              <a:t>1/18/2022</a:t>
             </a:fld>
             <a:endParaRPr lang="en-US" dirty="0"/>
           </a:p>
@@ -10829,7 +10829,7 @@
           <a:p>
             <a:fld id="{FC69B7DB-8367-4EA5-BD31-DC3A1C807884}" type="datetimeFigureOut">
               <a:rPr lang="en-US" smtClean="0"/>
-              <a:t>11/14/2021</a:t>
+              <a:t>1/18/2022</a:t>
             </a:fld>
             <a:endParaRPr lang="en-US" dirty="0"/>
           </a:p>
@@ -11294,7 +11294,7 @@
           <a:p>
             <a:fld id="{FC69B7DB-8367-4EA5-BD31-DC3A1C807884}" type="datetimeFigureOut">
               <a:rPr lang="en-US" smtClean="0"/>
-              <a:t>11/14/2021</a:t>
+              <a:t>1/18/2022</a:t>
             </a:fld>
             <a:endParaRPr lang="en-US" dirty="0"/>
           </a:p>
@@ -11742,7 +11742,7 @@
           <a:p>
             <a:fld id="{FC69B7DB-8367-4EA5-BD31-DC3A1C807884}" type="datetimeFigureOut">
               <a:rPr lang="en-US" smtClean="0"/>
-              <a:t>11/14/2021</a:t>
+              <a:t>1/18/2022</a:t>
             </a:fld>
             <a:endParaRPr lang="en-US" dirty="0"/>
           </a:p>
@@ -11968,7 +11968,7 @@
           <a:p>
             <a:fld id="{FC69B7DB-8367-4EA5-BD31-DC3A1C807884}" type="datetimeFigureOut">
               <a:rPr lang="en-US" smtClean="0"/>
-              <a:t>11/14/2021</a:t>
+              <a:t>1/18/2022</a:t>
             </a:fld>
             <a:endParaRPr lang="en-US" dirty="0"/>
           </a:p>
@@ -12162,7 +12162,7 @@
           <a:p>
             <a:fld id="{FC69B7DB-8367-4EA5-BD31-DC3A1C807884}" type="datetimeFigureOut">
               <a:rPr lang="en-US" smtClean="0"/>
-              <a:t>11/14/2021</a:t>
+              <a:t>1/18/2022</a:t>
             </a:fld>
             <a:endParaRPr lang="en-US" dirty="0"/>
           </a:p>
@@ -36528,6 +36528,20 @@
             <a:r>
               <a:rPr lang="en-US" dirty="0"/>
               <a:t>CNETIN: Programming in C#</a:t>
+            </a:r>
+          </a:p>
+          <a:p>
+            <a:r>
+              <a:rPr lang="en-US" dirty="0"/>
+              <a:t>BLAZOR: Developing Microsoft </a:t>
+            </a:r>
+            <a:r>
+              <a:rPr lang="en-US" dirty="0" err="1"/>
+              <a:t>Blazor</a:t>
+            </a:r>
+            <a:r>
+              <a:rPr lang="en-US" dirty="0"/>
+              <a:t> Web Applications</a:t>
             </a:r>
           </a:p>
         </p:txBody>
